--- a/下肢重訓姿勢矯正輔助系統十二周簡報.pptx
+++ b/下肢重訓姿勢矯正輔助系統十二周簡報.pptx
@@ -16,6 +16,10 @@
     <p:sldId id="266" r:id="rId10"/>
     <p:sldId id="267" r:id="rId11"/>
     <p:sldId id="268" r:id="rId12"/>
+    <p:sldId id="269" r:id="rId13"/>
+    <p:sldId id="270" r:id="rId14"/>
+    <p:sldId id="271" r:id="rId15"/>
+    <p:sldId id="272" r:id="rId16"/>
   </p:sldIdLst>
   <p:sldSz cx="12192000" cy="6858000"/>
   <p:notesSz cx="6858000" cy="9144000"/>
@@ -130,6 +134,10 @@
             <p14:sldId id="266"/>
             <p14:sldId id="267"/>
             <p14:sldId id="268"/>
+            <p14:sldId id="269"/>
+            <p14:sldId id="270"/>
+            <p14:sldId id="271"/>
+            <p14:sldId id="272"/>
           </p14:sldIdLst>
         </p14:section>
       </p14:sectionLst>
@@ -290,7 +298,7 @@
           <a:p>
             <a:fld id="{0DAF61AA-5A98-4049-A93E-477E5505141A}" type="datetimeFigureOut">
               <a:rPr lang="en-US" smtClean="0"/>
-              <a:t>5/3/2023</a:t>
+              <a:t>5/4/2023</a:t>
             </a:fld>
             <a:endParaRPr lang="en-US" dirty="0"/>
           </a:p>
@@ -490,7 +498,7 @@
           <a:p>
             <a:fld id="{0DAF61AA-5A98-4049-A93E-477E5505141A}" type="datetimeFigureOut">
               <a:rPr lang="en-US" smtClean="0"/>
-              <a:t>5/3/2023</a:t>
+              <a:t>5/4/2023</a:t>
             </a:fld>
             <a:endParaRPr lang="en-US"/>
           </a:p>
@@ -700,7 +708,7 @@
           <a:p>
             <a:fld id="{0DAF61AA-5A98-4049-A93E-477E5505141A}" type="datetimeFigureOut">
               <a:rPr lang="en-US" smtClean="0"/>
-              <a:t>5/3/2023</a:t>
+              <a:t>5/4/2023</a:t>
             </a:fld>
             <a:endParaRPr lang="en-US"/>
           </a:p>
@@ -900,7 +908,7 @@
           <a:p>
             <a:fld id="{0DAF61AA-5A98-4049-A93E-477E5505141A}" type="datetimeFigureOut">
               <a:rPr lang="en-US" smtClean="0"/>
-              <a:t>5/3/2023</a:t>
+              <a:t>5/4/2023</a:t>
             </a:fld>
             <a:endParaRPr lang="en-US"/>
           </a:p>
@@ -1176,7 +1184,7 @@
           <a:p>
             <a:fld id="{0DAF61AA-5A98-4049-A93E-477E5505141A}" type="datetimeFigureOut">
               <a:rPr lang="en-US" smtClean="0"/>
-              <a:t>5/3/2023</a:t>
+              <a:t>5/4/2023</a:t>
             </a:fld>
             <a:endParaRPr lang="en-US"/>
           </a:p>
@@ -1444,7 +1452,7 @@
           <a:p>
             <a:fld id="{0DAF61AA-5A98-4049-A93E-477E5505141A}" type="datetimeFigureOut">
               <a:rPr lang="en-US" smtClean="0"/>
-              <a:t>5/3/2023</a:t>
+              <a:t>5/4/2023</a:t>
             </a:fld>
             <a:endParaRPr lang="en-US"/>
           </a:p>
@@ -1859,7 +1867,7 @@
           <a:p>
             <a:fld id="{0DAF61AA-5A98-4049-A93E-477E5505141A}" type="datetimeFigureOut">
               <a:rPr lang="en-US" smtClean="0"/>
-              <a:t>5/3/2023</a:t>
+              <a:t>5/4/2023</a:t>
             </a:fld>
             <a:endParaRPr lang="en-US"/>
           </a:p>
@@ -2001,7 +2009,7 @@
           <a:p>
             <a:fld id="{0DAF61AA-5A98-4049-A93E-477E5505141A}" type="datetimeFigureOut">
               <a:rPr lang="en-US" smtClean="0"/>
-              <a:t>5/3/2023</a:t>
+              <a:t>5/4/2023</a:t>
             </a:fld>
             <a:endParaRPr lang="en-US"/>
           </a:p>
@@ -2114,7 +2122,7 @@
           <a:p>
             <a:fld id="{0DAF61AA-5A98-4049-A93E-477E5505141A}" type="datetimeFigureOut">
               <a:rPr lang="en-US" smtClean="0"/>
-              <a:t>5/3/2023</a:t>
+              <a:t>5/4/2023</a:t>
             </a:fld>
             <a:endParaRPr lang="en-US"/>
           </a:p>
@@ -2427,7 +2435,7 @@
           <a:p>
             <a:fld id="{0DAF61AA-5A98-4049-A93E-477E5505141A}" type="datetimeFigureOut">
               <a:rPr lang="en-US" smtClean="0"/>
-              <a:t>5/3/2023</a:t>
+              <a:t>5/4/2023</a:t>
             </a:fld>
             <a:endParaRPr lang="en-US"/>
           </a:p>
@@ -2720,7 +2728,7 @@
           <a:p>
             <a:fld id="{0DAF61AA-5A98-4049-A93E-477E5505141A}" type="datetimeFigureOut">
               <a:rPr lang="en-US" smtClean="0"/>
-              <a:t>5/3/2023</a:t>
+              <a:t>5/4/2023</a:t>
             </a:fld>
             <a:endParaRPr lang="en-US"/>
           </a:p>
@@ -6430,7 +6438,7 @@
             <a:fld id="{0DAF61AA-5A98-4049-A93E-477E5505141A}" type="datetimeFigureOut">
               <a:rPr lang="en-US" smtClean="0"/>
               <a:pPr/>
-              <a:t>5/3/2023</a:t>
+              <a:t>5/4/2023</a:t>
             </a:fld>
             <a:endParaRPr lang="en-US" dirty="0"/>
           </a:p>
@@ -7181,7 +7189,7 @@
         </p:nvSpPr>
         <p:spPr>
           <a:xfrm>
-            <a:off x="838200" y="174418"/>
+            <a:off x="270641" y="1002107"/>
             <a:ext cx="10515600" cy="1325563"/>
           </a:xfrm>
         </p:spPr>
@@ -7193,42 +7201,33 @@
           <a:p>
             <a:r>
               <a:rPr lang="zh-TW" altLang="en-US" sz="2000" dirty="0"/>
-              <a:t>目前還在安裝，還不知道會不會遇到問題</a:t>
-            </a:r>
-          </a:p>
-        </p:txBody>
-      </p:sp>
-      <p:sp>
-        <p:nvSpPr>
-          <p:cNvPr id="3" name="內容版面配置區 2">
-            <a:extLst>
-              <a:ext uri="{FF2B5EF4-FFF2-40B4-BE49-F238E27FC236}">
-                <a16:creationId xmlns:a16="http://schemas.microsoft.com/office/drawing/2014/main" id="{9F4B7966-8A71-1C37-61AE-6E34A0311056}"/>
-              </a:ext>
-            </a:extLst>
-          </p:cNvPr>
-          <p:cNvSpPr>
-            <a:spLocks noGrp="1"/>
-          </p:cNvSpPr>
-          <p:nvPr>
-            <p:ph idx="1"/>
-          </p:nvPr>
-        </p:nvSpPr>
-        <p:spPr/>
-        <p:txBody>
-          <a:bodyPr/>
-          <a:lstStyle/>
-          <a:p>
-            <a:endParaRPr lang="zh-TW" altLang="en-US"/>
+              <a:t>組建好之後發現有</a:t>
+            </a:r>
+            <a:r>
+              <a:rPr lang="en-US" altLang="zh-TW" sz="2000" dirty="0"/>
+              <a:t>11</a:t>
+            </a:r>
+            <a:r>
+              <a:rPr lang="zh-TW" altLang="en-US" sz="2000" dirty="0"/>
+              <a:t>個錯誤，</a:t>
+            </a:r>
+            <a:r>
+              <a:rPr lang="en-US" altLang="zh-TW" sz="2000" dirty="0"/>
+              <a:t>732</a:t>
+            </a:r>
+            <a:r>
+              <a:rPr lang="zh-TW" altLang="en-US" sz="2000" dirty="0"/>
+              <a:t>個警告</a:t>
+            </a:r>
           </a:p>
         </p:txBody>
       </p:sp>
       <p:pic>
         <p:nvPicPr>
-          <p:cNvPr id="5" name="圖片 4">
-            <a:extLst>
-              <a:ext uri="{FF2B5EF4-FFF2-40B4-BE49-F238E27FC236}">
-                <a16:creationId xmlns:a16="http://schemas.microsoft.com/office/drawing/2014/main" id="{01455D5C-7417-FC99-2A82-51BEB6249F54}"/>
+          <p:cNvPr id="6" name="圖片 5">
+            <a:extLst>
+              <a:ext uri="{FF2B5EF4-FFF2-40B4-BE49-F238E27FC236}">
+                <a16:creationId xmlns:a16="http://schemas.microsoft.com/office/drawing/2014/main" id="{1362FADA-F56B-F3B6-AF67-E5C86383358D}"/>
               </a:ext>
             </a:extLst>
           </p:cNvPr>
@@ -7245,8 +7244,8 @@
         </p:blipFill>
         <p:spPr>
           <a:xfrm>
-            <a:off x="2416511" y="1174338"/>
-            <a:ext cx="7358978" cy="5683662"/>
+            <a:off x="0" y="2662134"/>
+            <a:ext cx="12192000" cy="1533732"/>
           </a:xfrm>
           <a:prstGeom prst="rect">
             <a:avLst/>
@@ -7257,6 +7256,734 @@
     <p:extLst>
       <p:ext uri="{BB962C8B-B14F-4D97-AF65-F5344CB8AC3E}">
         <p14:creationId xmlns:p14="http://schemas.microsoft.com/office/powerpoint/2010/main" val="2015549716"/>
+      </p:ext>
+    </p:extLst>
+  </p:cSld>
+  <p:clrMapOvr>
+    <a:masterClrMapping/>
+  </p:clrMapOvr>
+</p:sld>
+</file>
+
+<file path=ppt/slides/slide12.xml><?xml version="1.0" encoding="utf-8"?>
+<p:sld xmlns:a="http://schemas.openxmlformats.org/drawingml/2006/main" xmlns:r="http://schemas.openxmlformats.org/officeDocument/2006/relationships" xmlns:p="http://schemas.openxmlformats.org/presentationml/2006/main">
+  <p:cSld>
+    <p:spTree>
+      <p:nvGrpSpPr>
+        <p:cNvPr id="1" name=""/>
+        <p:cNvGrpSpPr/>
+        <p:nvPr/>
+      </p:nvGrpSpPr>
+      <p:grpSpPr>
+        <a:xfrm>
+          <a:off x="0" y="0"/>
+          <a:ext cx="0" cy="0"/>
+          <a:chOff x="0" y="0"/>
+          <a:chExt cx="0" cy="0"/>
+        </a:xfrm>
+      </p:grpSpPr>
+      <p:sp>
+        <p:nvSpPr>
+          <p:cNvPr id="2" name="標題 1">
+            <a:extLst>
+              <a:ext uri="{FF2B5EF4-FFF2-40B4-BE49-F238E27FC236}">
+                <a16:creationId xmlns:a16="http://schemas.microsoft.com/office/drawing/2014/main" id="{6049917D-FB3F-81E8-7D30-9D7AA5809E17}"/>
+              </a:ext>
+            </a:extLst>
+          </p:cNvPr>
+          <p:cNvSpPr>
+            <a:spLocks noGrp="1"/>
+          </p:cNvSpPr>
+          <p:nvPr>
+            <p:ph type="title"/>
+          </p:nvPr>
+        </p:nvSpPr>
+        <p:spPr>
+          <a:xfrm>
+            <a:off x="570186" y="1315735"/>
+            <a:ext cx="10515600" cy="1325563"/>
+          </a:xfrm>
+        </p:spPr>
+        <p:txBody>
+          <a:bodyPr>
+            <a:normAutofit fontScale="90000"/>
+          </a:bodyPr>
+          <a:lstStyle/>
+          <a:p>
+            <a:r>
+              <a:rPr lang="zh-TW" altLang="en-US" sz="2200" dirty="0"/>
+              <a:t>依照指示去執行會跳出</a:t>
+            </a:r>
+            <a:br>
+              <a:rPr lang="en-US" altLang="zh-TW" sz="2200" dirty="0"/>
+            </a:br>
+            <a:r>
+              <a:rPr lang="en-US" altLang="zh-TW" sz="2200" dirty="0"/>
+              <a:t>File “C:\openpose\build\examples\tutorial_api_python\01_body_from_image.py”, line 4, in &lt;module&gt;</a:t>
+            </a:r>
+            <a:r>
+              <a:rPr lang="zh-TW" altLang="en-US" sz="2200" dirty="0"/>
+              <a:t> </a:t>
+            </a:r>
+            <a:r>
+              <a:rPr lang="en-US" altLang="zh-TW" sz="2200" dirty="0"/>
+              <a:t>import cv2</a:t>
+            </a:r>
+            <a:br>
+              <a:rPr lang="en-US" altLang="zh-TW" sz="2200" dirty="0"/>
+            </a:br>
+            <a:r>
+              <a:rPr lang="en-US" altLang="zh-TW" sz="2200" dirty="0" err="1"/>
+              <a:t>ModuleNotFoundError</a:t>
+            </a:r>
+            <a:r>
+              <a:rPr lang="en-US" altLang="zh-TW" sz="2200" dirty="0"/>
+              <a:t>: No module named 'cv2'</a:t>
+            </a:r>
+            <a:endParaRPr lang="zh-TW" altLang="en-US" sz="2200" dirty="0"/>
+          </a:p>
+        </p:txBody>
+      </p:sp>
+      <p:pic>
+        <p:nvPicPr>
+          <p:cNvPr id="5" name="圖片 4">
+            <a:extLst>
+              <a:ext uri="{FF2B5EF4-FFF2-40B4-BE49-F238E27FC236}">
+                <a16:creationId xmlns:a16="http://schemas.microsoft.com/office/drawing/2014/main" id="{E8CC6989-D80E-C27D-9956-6332DB698419}"/>
+              </a:ext>
+            </a:extLst>
+          </p:cNvPr>
+          <p:cNvPicPr>
+            <a:picLocks noChangeAspect="1"/>
+          </p:cNvPicPr>
+          <p:nvPr/>
+        </p:nvPicPr>
+        <p:blipFill>
+          <a:blip r:embed="rId2"/>
+          <a:stretch>
+            <a:fillRect/>
+          </a:stretch>
+        </p:blipFill>
+        <p:spPr>
+          <a:xfrm>
+            <a:off x="642279" y="3086866"/>
+            <a:ext cx="10907441" cy="3164161"/>
+          </a:xfrm>
+          <a:prstGeom prst="rect">
+            <a:avLst/>
+          </a:prstGeom>
+        </p:spPr>
+      </p:pic>
+    </p:spTree>
+    <p:extLst>
+      <p:ext uri="{BB962C8B-B14F-4D97-AF65-F5344CB8AC3E}">
+        <p14:creationId xmlns:p14="http://schemas.microsoft.com/office/powerpoint/2010/main" val="806638773"/>
+      </p:ext>
+    </p:extLst>
+  </p:cSld>
+  <p:clrMapOvr>
+    <a:masterClrMapping/>
+  </p:clrMapOvr>
+</p:sld>
+</file>
+
+<file path=ppt/slides/slide13.xml><?xml version="1.0" encoding="utf-8"?>
+<p:sld xmlns:a="http://schemas.openxmlformats.org/drawingml/2006/main" xmlns:r="http://schemas.openxmlformats.org/officeDocument/2006/relationships" xmlns:p="http://schemas.openxmlformats.org/presentationml/2006/main">
+  <p:cSld>
+    <p:spTree>
+      <p:nvGrpSpPr>
+        <p:cNvPr id="1" name=""/>
+        <p:cNvGrpSpPr/>
+        <p:nvPr/>
+      </p:nvGrpSpPr>
+      <p:grpSpPr>
+        <a:xfrm>
+          <a:off x="0" y="0"/>
+          <a:ext cx="0" cy="0"/>
+          <a:chOff x="0" y="0"/>
+          <a:chExt cx="0" cy="0"/>
+        </a:xfrm>
+      </p:grpSpPr>
+      <p:sp>
+        <p:nvSpPr>
+          <p:cNvPr id="2" name="標題 1">
+            <a:extLst>
+              <a:ext uri="{FF2B5EF4-FFF2-40B4-BE49-F238E27FC236}">
+                <a16:creationId xmlns:a16="http://schemas.microsoft.com/office/drawing/2014/main" id="{050B4A6F-5362-9865-98FF-775B2DB4395C}"/>
+              </a:ext>
+            </a:extLst>
+          </p:cNvPr>
+          <p:cNvSpPr>
+            <a:spLocks noGrp="1"/>
+          </p:cNvSpPr>
+          <p:nvPr>
+            <p:ph type="title"/>
+          </p:nvPr>
+        </p:nvSpPr>
+        <p:spPr>
+          <a:xfrm>
+            <a:off x="373118" y="648318"/>
+            <a:ext cx="10515600" cy="1325563"/>
+          </a:xfrm>
+        </p:spPr>
+        <p:txBody>
+          <a:bodyPr>
+            <a:normAutofit/>
+          </a:bodyPr>
+          <a:lstStyle/>
+          <a:p>
+            <a:r>
+              <a:rPr lang="zh-TW" altLang="en-US" sz="2000" dirty="0"/>
+              <a:t>上網查發現是忘記下載</a:t>
+            </a:r>
+            <a:r>
+              <a:rPr lang="en-US" altLang="zh-TW" sz="2000" dirty="0" err="1"/>
+              <a:t>opencv</a:t>
+            </a:r>
+            <a:endParaRPr lang="zh-TW" altLang="en-US" sz="2000" dirty="0"/>
+          </a:p>
+        </p:txBody>
+      </p:sp>
+      <p:pic>
+        <p:nvPicPr>
+          <p:cNvPr id="5" name="圖片 4">
+            <a:extLst>
+              <a:ext uri="{FF2B5EF4-FFF2-40B4-BE49-F238E27FC236}">
+                <a16:creationId xmlns:a16="http://schemas.microsoft.com/office/drawing/2014/main" id="{8056C183-8408-AE2D-503C-0CC0F77CE291}"/>
+              </a:ext>
+            </a:extLst>
+          </p:cNvPr>
+          <p:cNvPicPr>
+            <a:picLocks noChangeAspect="1"/>
+          </p:cNvPicPr>
+          <p:nvPr/>
+        </p:nvPicPr>
+        <p:blipFill>
+          <a:blip r:embed="rId2"/>
+          <a:stretch>
+            <a:fillRect/>
+          </a:stretch>
+        </p:blipFill>
+        <p:spPr>
+          <a:xfrm>
+            <a:off x="451945" y="1619157"/>
+            <a:ext cx="6363588" cy="1333686"/>
+          </a:xfrm>
+          <a:prstGeom prst="rect">
+            <a:avLst/>
+          </a:prstGeom>
+        </p:spPr>
+      </p:pic>
+      <p:pic>
+        <p:nvPicPr>
+          <p:cNvPr id="7" name="圖片 6">
+            <a:extLst>
+              <a:ext uri="{FF2B5EF4-FFF2-40B4-BE49-F238E27FC236}">
+                <a16:creationId xmlns:a16="http://schemas.microsoft.com/office/drawing/2014/main" id="{860BB201-FDE7-66BF-C500-0869C8B500CE}"/>
+              </a:ext>
+            </a:extLst>
+          </p:cNvPr>
+          <p:cNvPicPr>
+            <a:picLocks noChangeAspect="1"/>
+          </p:cNvPicPr>
+          <p:nvPr/>
+        </p:nvPicPr>
+        <p:blipFill>
+          <a:blip r:embed="rId3"/>
+          <a:stretch>
+            <a:fillRect/>
+          </a:stretch>
+        </p:blipFill>
+        <p:spPr>
+          <a:xfrm>
+            <a:off x="451945" y="4864772"/>
+            <a:ext cx="10212225" cy="581106"/>
+          </a:xfrm>
+          <a:prstGeom prst="rect">
+            <a:avLst/>
+          </a:prstGeom>
+        </p:spPr>
+      </p:pic>
+      <p:sp>
+        <p:nvSpPr>
+          <p:cNvPr id="8" name="文字方塊 7">
+            <a:extLst>
+              <a:ext uri="{FF2B5EF4-FFF2-40B4-BE49-F238E27FC236}">
+                <a16:creationId xmlns:a16="http://schemas.microsoft.com/office/drawing/2014/main" id="{330D7940-CC5D-E981-9272-B77099E40A7F}"/>
+              </a:ext>
+            </a:extLst>
+          </p:cNvPr>
+          <p:cNvSpPr txBox="1"/>
+          <p:nvPr/>
+        </p:nvSpPr>
+        <p:spPr>
+          <a:xfrm>
+            <a:off x="373118" y="3807373"/>
+            <a:ext cx="11616963" cy="923330"/>
+          </a:xfrm>
+          <a:prstGeom prst="rect">
+            <a:avLst/>
+          </a:prstGeom>
+          <a:noFill/>
+        </p:spPr>
+        <p:txBody>
+          <a:bodyPr wrap="none" rtlCol="0">
+            <a:spAutoFit/>
+          </a:bodyPr>
+          <a:lstStyle/>
+          <a:p>
+            <a:r>
+              <a:rPr lang="zh-TW" altLang="en-US" dirty="0"/>
+              <a:t>下載完後發現錯誤訊息變成</a:t>
+            </a:r>
+            <a:br>
+              <a:rPr lang="en-US" altLang="zh-TW" dirty="0"/>
+            </a:br>
+            <a:r>
+              <a:rPr lang="en-US" altLang="zh-TW" dirty="0"/>
+              <a:t>Error: </a:t>
+            </a:r>
+            <a:r>
+              <a:rPr lang="en-US" altLang="zh-TW" dirty="0" err="1"/>
+              <a:t>OpenPose</a:t>
+            </a:r>
+            <a:r>
+              <a:rPr lang="en-US" altLang="zh-TW" dirty="0"/>
+              <a:t> library could not be found. Did you enable `BUILD_PYTHON` in </a:t>
+            </a:r>
+            <a:r>
+              <a:rPr lang="en-US" altLang="zh-TW" dirty="0" err="1"/>
+              <a:t>CMake</a:t>
+            </a:r>
+            <a:r>
+              <a:rPr lang="en-US" altLang="zh-TW" dirty="0"/>
+              <a:t> and have this Python</a:t>
+            </a:r>
+          </a:p>
+          <a:p>
+            <a:r>
+              <a:rPr lang="en-US" altLang="zh-TW" dirty="0"/>
+              <a:t>script in the right folder?</a:t>
+            </a:r>
+            <a:r>
+              <a:rPr lang="zh-TW" altLang="en-US" dirty="0"/>
+              <a:t> </a:t>
+            </a:r>
+            <a:r>
+              <a:rPr lang="en-US" altLang="zh-TW" dirty="0"/>
+              <a:t>No module named '</a:t>
+            </a:r>
+            <a:r>
+              <a:rPr lang="en-US" altLang="zh-TW" dirty="0" err="1"/>
+              <a:t>pyopenpose</a:t>
+            </a:r>
+            <a:r>
+              <a:rPr lang="en-US" altLang="zh-TW" dirty="0"/>
+              <a:t>'</a:t>
+            </a:r>
+            <a:endParaRPr lang="zh-TW" altLang="en-US" dirty="0"/>
+          </a:p>
+        </p:txBody>
+      </p:sp>
+    </p:spTree>
+    <p:extLst>
+      <p:ext uri="{BB962C8B-B14F-4D97-AF65-F5344CB8AC3E}">
+        <p14:creationId xmlns:p14="http://schemas.microsoft.com/office/powerpoint/2010/main" val="2945058100"/>
+      </p:ext>
+    </p:extLst>
+  </p:cSld>
+  <p:clrMapOvr>
+    <a:masterClrMapping/>
+  </p:clrMapOvr>
+</p:sld>
+</file>
+
+<file path=ppt/slides/slide14.xml><?xml version="1.0" encoding="utf-8"?>
+<p:sld xmlns:a="http://schemas.openxmlformats.org/drawingml/2006/main" xmlns:r="http://schemas.openxmlformats.org/officeDocument/2006/relationships" xmlns:p="http://schemas.openxmlformats.org/presentationml/2006/main">
+  <p:cSld>
+    <p:spTree>
+      <p:nvGrpSpPr>
+        <p:cNvPr id="1" name=""/>
+        <p:cNvGrpSpPr/>
+        <p:nvPr/>
+      </p:nvGrpSpPr>
+      <p:grpSpPr>
+        <a:xfrm>
+          <a:off x="0" y="0"/>
+          <a:ext cx="0" cy="0"/>
+          <a:chOff x="0" y="0"/>
+          <a:chExt cx="0" cy="0"/>
+        </a:xfrm>
+      </p:grpSpPr>
+      <p:sp>
+        <p:nvSpPr>
+          <p:cNvPr id="2" name="標題 1">
+            <a:extLst>
+              <a:ext uri="{FF2B5EF4-FFF2-40B4-BE49-F238E27FC236}">
+                <a16:creationId xmlns:a16="http://schemas.microsoft.com/office/drawing/2014/main" id="{5FF4483E-A492-E856-FAA5-4543EEF1B90D}"/>
+              </a:ext>
+            </a:extLst>
+          </p:cNvPr>
+          <p:cNvSpPr>
+            <a:spLocks noGrp="1"/>
+          </p:cNvSpPr>
+          <p:nvPr>
+            <p:ph type="title"/>
+          </p:nvPr>
+        </p:nvSpPr>
+        <p:spPr>
+          <a:xfrm>
+            <a:off x="181681" y="-36895"/>
+            <a:ext cx="10515600" cy="1325563"/>
+          </a:xfrm>
+        </p:spPr>
+        <p:txBody>
+          <a:bodyPr>
+            <a:normAutofit/>
+          </a:bodyPr>
+          <a:lstStyle/>
+          <a:p>
+            <a:r>
+              <a:rPr lang="zh-TW" altLang="en-US" sz="2000" dirty="0"/>
+              <a:t>後來我試了這個方法</a:t>
+            </a:r>
+          </a:p>
+        </p:txBody>
+      </p:sp>
+      <p:pic>
+        <p:nvPicPr>
+          <p:cNvPr id="5" name="圖片 4">
+            <a:extLst>
+              <a:ext uri="{FF2B5EF4-FFF2-40B4-BE49-F238E27FC236}">
+                <a16:creationId xmlns:a16="http://schemas.microsoft.com/office/drawing/2014/main" id="{61247A1E-BC27-FA7A-40ED-60E79C9CE2BF}"/>
+              </a:ext>
+            </a:extLst>
+          </p:cNvPr>
+          <p:cNvPicPr>
+            <a:picLocks noChangeAspect="1"/>
+          </p:cNvPicPr>
+          <p:nvPr/>
+        </p:nvPicPr>
+        <p:blipFill>
+          <a:blip r:embed="rId2"/>
+          <a:stretch>
+            <a:fillRect/>
+          </a:stretch>
+        </p:blipFill>
+        <p:spPr>
+          <a:xfrm>
+            <a:off x="299545" y="883282"/>
+            <a:ext cx="6004052" cy="2856020"/>
+          </a:xfrm>
+          <a:prstGeom prst="rect">
+            <a:avLst/>
+          </a:prstGeom>
+        </p:spPr>
+      </p:pic>
+      <p:pic>
+        <p:nvPicPr>
+          <p:cNvPr id="7" name="圖片 6">
+            <a:extLst>
+              <a:ext uri="{FF2B5EF4-FFF2-40B4-BE49-F238E27FC236}">
+                <a16:creationId xmlns:a16="http://schemas.microsoft.com/office/drawing/2014/main" id="{6E5DEC7A-56B9-5E8E-7106-D1EDDBF80249}"/>
+              </a:ext>
+            </a:extLst>
+          </p:cNvPr>
+          <p:cNvPicPr>
+            <a:picLocks noChangeAspect="1"/>
+          </p:cNvPicPr>
+          <p:nvPr/>
+        </p:nvPicPr>
+        <p:blipFill>
+          <a:blip r:embed="rId3"/>
+          <a:stretch>
+            <a:fillRect/>
+          </a:stretch>
+        </p:blipFill>
+        <p:spPr>
+          <a:xfrm>
+            <a:off x="299545" y="4546708"/>
+            <a:ext cx="11592910" cy="2236964"/>
+          </a:xfrm>
+          <a:prstGeom prst="rect">
+            <a:avLst/>
+          </a:prstGeom>
+        </p:spPr>
+      </p:pic>
+      <p:sp>
+        <p:nvSpPr>
+          <p:cNvPr id="8" name="文字方塊 7">
+            <a:extLst>
+              <a:ext uri="{FF2B5EF4-FFF2-40B4-BE49-F238E27FC236}">
+                <a16:creationId xmlns:a16="http://schemas.microsoft.com/office/drawing/2014/main" id="{E98B375E-5FBC-0169-E842-70681DEB590D}"/>
+              </a:ext>
+            </a:extLst>
+          </p:cNvPr>
+          <p:cNvSpPr txBox="1"/>
+          <p:nvPr/>
+        </p:nvSpPr>
+        <p:spPr>
+          <a:xfrm>
+            <a:off x="181681" y="4091152"/>
+            <a:ext cx="3302876" cy="369332"/>
+          </a:xfrm>
+          <a:prstGeom prst="rect">
+            <a:avLst/>
+          </a:prstGeom>
+          <a:noFill/>
+        </p:spPr>
+        <p:txBody>
+          <a:bodyPr wrap="square" rtlCol="0">
+            <a:spAutoFit/>
+          </a:bodyPr>
+          <a:lstStyle/>
+          <a:p>
+            <a:r>
+              <a:rPr lang="zh-TW" altLang="en-US" dirty="0"/>
+              <a:t>得到這些錯誤</a:t>
+            </a:r>
+          </a:p>
+        </p:txBody>
+      </p:sp>
+    </p:spTree>
+    <p:extLst>
+      <p:ext uri="{BB962C8B-B14F-4D97-AF65-F5344CB8AC3E}">
+        <p14:creationId xmlns:p14="http://schemas.microsoft.com/office/powerpoint/2010/main" val="69564190"/>
+      </p:ext>
+    </p:extLst>
+  </p:cSld>
+  <p:clrMapOvr>
+    <a:masterClrMapping/>
+  </p:clrMapOvr>
+</p:sld>
+</file>
+
+<file path=ppt/slides/slide15.xml><?xml version="1.0" encoding="utf-8"?>
+<p:sld xmlns:a="http://schemas.openxmlformats.org/drawingml/2006/main" xmlns:r="http://schemas.openxmlformats.org/officeDocument/2006/relationships" xmlns:p="http://schemas.openxmlformats.org/presentationml/2006/main">
+  <p:cSld>
+    <p:spTree>
+      <p:nvGrpSpPr>
+        <p:cNvPr id="1" name=""/>
+        <p:cNvGrpSpPr/>
+        <p:nvPr/>
+      </p:nvGrpSpPr>
+      <p:grpSpPr>
+        <a:xfrm>
+          <a:off x="0" y="0"/>
+          <a:ext cx="0" cy="0"/>
+          <a:chOff x="0" y="0"/>
+          <a:chExt cx="0" cy="0"/>
+        </a:xfrm>
+      </p:grpSpPr>
+      <p:sp>
+        <p:nvSpPr>
+          <p:cNvPr id="2" name="標題 1">
+            <a:extLst>
+              <a:ext uri="{FF2B5EF4-FFF2-40B4-BE49-F238E27FC236}">
+                <a16:creationId xmlns:a16="http://schemas.microsoft.com/office/drawing/2014/main" id="{F0727EEB-439F-1C91-0DE7-1AC28CCE9C54}"/>
+              </a:ext>
+            </a:extLst>
+          </p:cNvPr>
+          <p:cNvSpPr>
+            <a:spLocks noGrp="1"/>
+          </p:cNvSpPr>
+          <p:nvPr>
+            <p:ph type="title"/>
+          </p:nvPr>
+        </p:nvSpPr>
+        <p:spPr>
+          <a:xfrm>
+            <a:off x="656897" y="0"/>
+            <a:ext cx="10515600" cy="1072055"/>
+          </a:xfrm>
+        </p:spPr>
+        <p:txBody>
+          <a:bodyPr>
+            <a:normAutofit/>
+          </a:bodyPr>
+          <a:lstStyle/>
+          <a:p>
+            <a:r>
+              <a:rPr lang="zh-TW" altLang="en-US" sz="2000" dirty="0"/>
+              <a:t>後來我在虛擬環境下再試一次，並在</a:t>
+            </a:r>
+            <a:r>
+              <a:rPr lang="en-US" altLang="zh-TW" sz="2000" dirty="0" err="1"/>
+              <a:t>Cmake</a:t>
+            </a:r>
+            <a:r>
+              <a:rPr lang="zh-TW" altLang="en-US" sz="2000" dirty="0"/>
+              <a:t>第一次</a:t>
+            </a:r>
+            <a:r>
+              <a:rPr lang="en-US" altLang="zh-TW" sz="2000" dirty="0"/>
+              <a:t>configure</a:t>
+            </a:r>
+            <a:r>
+              <a:rPr lang="zh-TW" altLang="en-US" sz="2000" dirty="0"/>
+              <a:t>前</a:t>
+            </a:r>
+            <a:r>
+              <a:rPr lang="en-US" altLang="zh-TW" sz="2000" dirty="0"/>
+              <a:t>add entry python</a:t>
+            </a:r>
+            <a:r>
+              <a:rPr lang="zh-TW" altLang="en-US" sz="2000" dirty="0"/>
+              <a:t>版本</a:t>
+            </a:r>
+          </a:p>
+        </p:txBody>
+      </p:sp>
+      <p:sp>
+        <p:nvSpPr>
+          <p:cNvPr id="3" name="內容版面配置區 2">
+            <a:extLst>
+              <a:ext uri="{FF2B5EF4-FFF2-40B4-BE49-F238E27FC236}">
+                <a16:creationId xmlns:a16="http://schemas.microsoft.com/office/drawing/2014/main" id="{B8B97FCA-0216-46A8-74FB-A2B0DB48B2E6}"/>
+              </a:ext>
+            </a:extLst>
+          </p:cNvPr>
+          <p:cNvSpPr>
+            <a:spLocks noGrp="1"/>
+          </p:cNvSpPr>
+          <p:nvPr>
+            <p:ph idx="1"/>
+          </p:nvPr>
+        </p:nvSpPr>
+        <p:spPr>
+          <a:xfrm>
+            <a:off x="656897" y="5658161"/>
+            <a:ext cx="10515600" cy="4351338"/>
+          </a:xfrm>
+        </p:spPr>
+        <p:txBody>
+          <a:bodyPr>
+            <a:normAutofit/>
+          </a:bodyPr>
+          <a:lstStyle/>
+          <a:p>
+            <a:pPr marL="0" indent="0">
+              <a:buNone/>
+            </a:pPr>
+            <a:r>
+              <a:rPr lang="zh-TW" altLang="en-US" sz="2000" dirty="0"/>
+              <a:t>最後還是得出一樣的錯誤訊息</a:t>
+            </a:r>
+            <a:br>
+              <a:rPr lang="en-US" altLang="zh-TW" sz="2000" dirty="0"/>
+            </a:br>
+            <a:br>
+              <a:rPr lang="en-US" altLang="zh-TW" sz="2000" dirty="0"/>
+            </a:br>
+            <a:r>
+              <a:rPr lang="zh-TW" altLang="en-US" sz="2000" dirty="0"/>
+              <a:t>                                                                        </a:t>
+            </a:r>
+            <a:r>
+              <a:rPr lang="en-US" altLang="zh-TW" sz="2000" dirty="0"/>
+              <a:t>BUILD PYTHON</a:t>
+            </a:r>
+            <a:r>
+              <a:rPr lang="zh-TW" altLang="en-US" sz="2000" dirty="0"/>
+              <a:t>確實有打勾</a:t>
+            </a:r>
+          </a:p>
+        </p:txBody>
+      </p:sp>
+      <p:pic>
+        <p:nvPicPr>
+          <p:cNvPr id="5" name="圖片 4">
+            <a:extLst>
+              <a:ext uri="{FF2B5EF4-FFF2-40B4-BE49-F238E27FC236}">
+                <a16:creationId xmlns:a16="http://schemas.microsoft.com/office/drawing/2014/main" id="{03E2B507-35FF-E729-2CC7-39CBEB2045BB}"/>
+              </a:ext>
+            </a:extLst>
+          </p:cNvPr>
+          <p:cNvPicPr>
+            <a:picLocks noChangeAspect="1"/>
+          </p:cNvPicPr>
+          <p:nvPr/>
+        </p:nvPicPr>
+        <p:blipFill>
+          <a:blip r:embed="rId2"/>
+          <a:stretch>
+            <a:fillRect/>
+          </a:stretch>
+        </p:blipFill>
+        <p:spPr>
+          <a:xfrm>
+            <a:off x="656897" y="1072055"/>
+            <a:ext cx="3801005" cy="2229161"/>
+          </a:xfrm>
+          <a:prstGeom prst="rect">
+            <a:avLst/>
+          </a:prstGeom>
+        </p:spPr>
+      </p:pic>
+      <p:pic>
+        <p:nvPicPr>
+          <p:cNvPr id="7" name="圖片 6">
+            <a:extLst>
+              <a:ext uri="{FF2B5EF4-FFF2-40B4-BE49-F238E27FC236}">
+                <a16:creationId xmlns:a16="http://schemas.microsoft.com/office/drawing/2014/main" id="{BD699E59-56E2-C030-8520-1596D1F2C702}"/>
+              </a:ext>
+            </a:extLst>
+          </p:cNvPr>
+          <p:cNvPicPr>
+            <a:picLocks noChangeAspect="1"/>
+          </p:cNvPicPr>
+          <p:nvPr/>
+        </p:nvPicPr>
+        <p:blipFill>
+          <a:blip r:embed="rId3"/>
+          <a:stretch>
+            <a:fillRect/>
+          </a:stretch>
+        </p:blipFill>
+        <p:spPr>
+          <a:xfrm>
+            <a:off x="656897" y="3429000"/>
+            <a:ext cx="9173855" cy="2019582"/>
+          </a:xfrm>
+          <a:prstGeom prst="rect">
+            <a:avLst/>
+          </a:prstGeom>
+        </p:spPr>
+      </p:pic>
+      <p:pic>
+        <p:nvPicPr>
+          <p:cNvPr id="9" name="圖片 8">
+            <a:extLst>
+              <a:ext uri="{FF2B5EF4-FFF2-40B4-BE49-F238E27FC236}">
+                <a16:creationId xmlns:a16="http://schemas.microsoft.com/office/drawing/2014/main" id="{AB26A483-7B23-0E6C-AD58-7628508246C3}"/>
+              </a:ext>
+            </a:extLst>
+          </p:cNvPr>
+          <p:cNvPicPr>
+            <a:picLocks noChangeAspect="1"/>
+          </p:cNvPicPr>
+          <p:nvPr/>
+        </p:nvPicPr>
+        <p:blipFill>
+          <a:blip r:embed="rId4"/>
+          <a:stretch>
+            <a:fillRect/>
+          </a:stretch>
+        </p:blipFill>
+        <p:spPr>
+          <a:xfrm>
+            <a:off x="5301740" y="5658161"/>
+            <a:ext cx="5734850" cy="485843"/>
+          </a:xfrm>
+          <a:prstGeom prst="rect">
+            <a:avLst/>
+          </a:prstGeom>
+        </p:spPr>
+      </p:pic>
+    </p:spTree>
+    <p:extLst>
+      <p:ext uri="{BB962C8B-B14F-4D97-AF65-F5344CB8AC3E}">
+        <p14:creationId xmlns:p14="http://schemas.microsoft.com/office/powerpoint/2010/main" val="158112333"/>
       </p:ext>
     </p:extLst>
   </p:cSld>
